--- a/TF.pptx
+++ b/TF.pptx
@@ -7,9 +7,9 @@
   <p:sldIdLst>
     <p:sldId id="256" r:id="rId2"/>
     <p:sldId id="285" r:id="rId3"/>
-    <p:sldId id="286" r:id="rId4"/>
-    <p:sldId id="284" r:id="rId5"/>
-    <p:sldId id="287" r:id="rId6"/>
+    <p:sldId id="284" r:id="rId4"/>
+    <p:sldId id="287" r:id="rId5"/>
+    <p:sldId id="286" r:id="rId6"/>
   </p:sldIdLst>
   <p:sldSz cx="12192000" cy="6858000"/>
   <p:notesSz cx="6858000" cy="9144000"/>
@@ -3780,100 +3780,19 @@
           <a:chExt cx="0" cy="0"/>
         </a:xfrm>
       </p:grpSpPr>
-      <p:sp>
-        <p:nvSpPr>
-          <p:cNvPr id="4" name="Title 1">
-            <a:extLst>
-              <a:ext uri="{FF2B5EF4-FFF2-40B4-BE49-F238E27FC236}">
-                <a16:creationId xmlns:a16="http://schemas.microsoft.com/office/drawing/2014/main" id="{6F1FE487-BE0B-2608-D072-26D6D68BA1C7}"/>
-              </a:ext>
-            </a:extLst>
-          </p:cNvPr>
-          <p:cNvSpPr>
-            <a:spLocks noGrp="1"/>
-          </p:cNvSpPr>
-          <p:nvPr>
-            <p:ph type="title"/>
-          </p:nvPr>
-        </p:nvSpPr>
-        <p:spPr/>
-        <p:txBody>
-          <a:bodyPr/>
-          <a:lstStyle/>
-          <a:p>
-            <a:r>
-              <a:rPr lang="en-US" dirty="0"/>
-              <a:t>Initial conditions: target T1  and seqs at </a:t>
-            </a:r>
-            <a:r>
-              <a:rPr lang="en-US" dirty="0" err="1"/>
-              <a:t>seqscommon</a:t>
-            </a:r>
-            <a:r>
-              <a:rPr lang="en-US" dirty="0"/>
-              <a:t> with max prob in T0</a:t>
-            </a:r>
-          </a:p>
-        </p:txBody>
-      </p:sp>
-      <p:sp>
-        <p:nvSpPr>
-          <p:cNvPr id="11" name="TextBox 10">
-            <a:extLst>
-              <a:ext uri="{FF2B5EF4-FFF2-40B4-BE49-F238E27FC236}">
-                <a16:creationId xmlns:a16="http://schemas.microsoft.com/office/drawing/2014/main" id="{8F375D3B-CE90-4CB1-4EFA-FE5195F98E4D}"/>
-              </a:ext>
-            </a:extLst>
-          </p:cNvPr>
-          <p:cNvSpPr txBox="1"/>
-          <p:nvPr/>
-        </p:nvSpPr>
-        <p:spPr>
-          <a:xfrm>
-            <a:off x="4201699" y="5140819"/>
-            <a:ext cx="3788601" cy="369332"/>
-          </a:xfrm>
-          <a:prstGeom prst="rect">
-            <a:avLst/>
-          </a:prstGeom>
-          <a:noFill/>
-        </p:spPr>
-        <p:txBody>
-          <a:bodyPr wrap="none" rtlCol="0">
-            <a:spAutoFit/>
-          </a:bodyPr>
-          <a:lstStyle/>
-          <a:p>
-            <a:r>
-              <a:rPr lang="en-US" dirty="0"/>
-              <a:t>( no </a:t>
-            </a:r>
-            <a:r>
-              <a:rPr lang="en-US" dirty="0" err="1"/>
-              <a:t>seqstarget</a:t>
-            </a:r>
-            <a:r>
-              <a:rPr lang="en-US" dirty="0"/>
-              <a:t> increase in this case)</a:t>
-            </a:r>
-          </a:p>
-        </p:txBody>
-      </p:sp>
       <p:pic>
         <p:nvPicPr>
-          <p:cNvPr id="15" name="Content Placeholder 14" descr="A screenshot of a computer&#10;&#10;Description automatically generated">
-            <a:extLst>
-              <a:ext uri="{FF2B5EF4-FFF2-40B4-BE49-F238E27FC236}">
-                <a16:creationId xmlns:a16="http://schemas.microsoft.com/office/drawing/2014/main" id="{2B336393-09F8-3C37-8AE1-1433E611CC53}"/>
+          <p:cNvPr id="5" name="Picture 4" descr="A graph of dna genotypes&#10;&#10;Description automatically generated">
+            <a:extLst>
+              <a:ext uri="{FF2B5EF4-FFF2-40B4-BE49-F238E27FC236}">
+                <a16:creationId xmlns:a16="http://schemas.microsoft.com/office/drawing/2014/main" id="{F303BA30-0C4A-117F-CDAA-1A01D8CBCEB2}"/>
               </a:ext>
             </a:extLst>
           </p:cNvPr>
           <p:cNvPicPr>
-            <a:picLocks noGrp="1" noChangeAspect="1"/>
+            <a:picLocks noChangeAspect="1"/>
           </p:cNvPicPr>
-          <p:nvPr>
-            <p:ph idx="1"/>
-          </p:nvPr>
+          <p:nvPr/>
         </p:nvPicPr>
         <p:blipFill>
           <a:blip r:embed="rId2"/>
@@ -3883,17 +3802,20 @@
         </p:blipFill>
         <p:spPr>
           <a:xfrm>
-            <a:off x="250966" y="1927821"/>
-            <a:ext cx="11492672" cy="3054826"/>
-          </a:xfrm>
+            <a:off x="395456" y="1511392"/>
+            <a:ext cx="5816046" cy="4464561"/>
+          </a:xfrm>
+          <a:prstGeom prst="rect">
+            <a:avLst/>
+          </a:prstGeom>
         </p:spPr>
       </p:pic>
       <p:sp>
         <p:nvSpPr>
-          <p:cNvPr id="17" name="TextBox 16">
-            <a:extLst>
-              <a:ext uri="{FF2B5EF4-FFF2-40B4-BE49-F238E27FC236}">
-                <a16:creationId xmlns:a16="http://schemas.microsoft.com/office/drawing/2014/main" id="{A25EA094-C18C-4877-FFD8-3D723E3740BA}"/>
+          <p:cNvPr id="10" name="TextBox 9">
+            <a:extLst>
+              <a:ext uri="{FF2B5EF4-FFF2-40B4-BE49-F238E27FC236}">
+                <a16:creationId xmlns:a16="http://schemas.microsoft.com/office/drawing/2014/main" id="{94714AF3-ADAB-7F88-6A36-8885C9C779C8}"/>
               </a:ext>
             </a:extLst>
           </p:cNvPr>
@@ -3901,9 +3823,9 @@
           <p:nvPr/>
         </p:nvSpPr>
         <p:spPr>
-          <a:xfrm>
-            <a:off x="843792" y="1506022"/>
-            <a:ext cx="7146508" cy="369332"/>
+          <a:xfrm rot="16200000">
+            <a:off x="752918" y="1264514"/>
+            <a:ext cx="769017" cy="253916"/>
           </a:xfrm>
           <a:prstGeom prst="rect">
             <a:avLst/>
@@ -3911,24 +3833,24 @@
           <a:noFill/>
         </p:spPr>
         <p:txBody>
-          <a:bodyPr wrap="none" rtlCol="0">
+          <a:bodyPr wrap="square">
             <a:spAutoFit/>
           </a:bodyPr>
           <a:lstStyle/>
           <a:p>
             <a:r>
-              <a:rPr lang="en-US" dirty="0"/>
-              <a:t>Each point is averaged over 100 simulations with the same parameters</a:t>
-            </a:r>
-          </a:p>
-        </p:txBody>
-      </p:sp>
-      <p:sp>
-        <p:nvSpPr>
-          <p:cNvPr id="18" name="TextBox 17">
-            <a:extLst>
-              <a:ext uri="{FF2B5EF4-FFF2-40B4-BE49-F238E27FC236}">
-                <a16:creationId xmlns:a16="http://schemas.microsoft.com/office/drawing/2014/main" id="{B197F869-0E27-D43F-F48F-9F06093019A4}"/>
+              <a:rPr lang="en-US" sz="1050" dirty="0"/>
+              <a:t>T0 -&gt; T1</a:t>
+            </a:r>
+          </a:p>
+        </p:txBody>
+      </p:sp>
+      <p:sp>
+        <p:nvSpPr>
+          <p:cNvPr id="11" name="TextBox 10">
+            <a:extLst>
+              <a:ext uri="{FF2B5EF4-FFF2-40B4-BE49-F238E27FC236}">
+                <a16:creationId xmlns:a16="http://schemas.microsoft.com/office/drawing/2014/main" id="{DF51F627-CFB9-F850-BC88-E9F473825CE4}"/>
               </a:ext>
             </a:extLst>
           </p:cNvPr>
@@ -3936,9 +3858,9 @@
           <p:nvPr/>
         </p:nvSpPr>
         <p:spPr>
-          <a:xfrm>
-            <a:off x="593766" y="5930075"/>
-            <a:ext cx="3105594" cy="369332"/>
+          <a:xfrm rot="16200000">
+            <a:off x="880145" y="1264513"/>
+            <a:ext cx="769017" cy="253916"/>
           </a:xfrm>
           <a:prstGeom prst="rect">
             <a:avLst/>
@@ -3946,24 +3868,24 @@
           <a:noFill/>
         </p:spPr>
         <p:txBody>
-          <a:bodyPr wrap="none" rtlCol="0">
+          <a:bodyPr wrap="square">
             <a:spAutoFit/>
           </a:bodyPr>
           <a:lstStyle/>
           <a:p>
             <a:r>
-              <a:rPr lang="en-US" dirty="0"/>
-              <a:t>N sample for fitness max = 10</a:t>
-            </a:r>
-          </a:p>
-        </p:txBody>
-      </p:sp>
-      <p:sp>
-        <p:nvSpPr>
-          <p:cNvPr id="19" name="TextBox 18">
-            <a:extLst>
-              <a:ext uri="{FF2B5EF4-FFF2-40B4-BE49-F238E27FC236}">
-                <a16:creationId xmlns:a16="http://schemas.microsoft.com/office/drawing/2014/main" id="{73E9DF87-38C2-6F3E-AF38-711B27B9C777}"/>
+              <a:rPr lang="en-US" sz="1050" dirty="0"/>
+              <a:t>T1 -&gt; T0</a:t>
+            </a:r>
+          </a:p>
+        </p:txBody>
+      </p:sp>
+      <p:sp>
+        <p:nvSpPr>
+          <p:cNvPr id="12" name="TextBox 11">
+            <a:extLst>
+              <a:ext uri="{FF2B5EF4-FFF2-40B4-BE49-F238E27FC236}">
+                <a16:creationId xmlns:a16="http://schemas.microsoft.com/office/drawing/2014/main" id="{7E23F860-D2AE-8708-2DD6-C2A6B628CA23}"/>
               </a:ext>
             </a:extLst>
           </p:cNvPr>
@@ -3971,9 +3893,9 @@
           <p:nvPr/>
         </p:nvSpPr>
         <p:spPr>
-          <a:xfrm>
-            <a:off x="593766" y="5664530"/>
-            <a:ext cx="2126608" cy="369332"/>
+          <a:xfrm rot="16200000">
+            <a:off x="625691" y="1264513"/>
+            <a:ext cx="769017" cy="253916"/>
           </a:xfrm>
           <a:prstGeom prst="rect">
             <a:avLst/>
@@ -3981,24 +3903,24 @@
           <a:noFill/>
         </p:spPr>
         <p:txBody>
-          <a:bodyPr wrap="none" rtlCol="0">
+          <a:bodyPr wrap="square">
             <a:spAutoFit/>
           </a:bodyPr>
           <a:lstStyle/>
           <a:p>
             <a:r>
-              <a:rPr lang="en-US" dirty="0"/>
-              <a:t>Simulation params:</a:t>
-            </a:r>
-          </a:p>
-        </p:txBody>
-      </p:sp>
-      <p:sp>
-        <p:nvSpPr>
-          <p:cNvPr id="20" name="TextBox 19">
-            <a:extLst>
-              <a:ext uri="{FF2B5EF4-FFF2-40B4-BE49-F238E27FC236}">
-                <a16:creationId xmlns:a16="http://schemas.microsoft.com/office/drawing/2014/main" id="{3E836165-956B-D30B-0D2A-34C5FA781E41}"/>
+              <a:rPr lang="en-US" sz="1050" dirty="0"/>
+              <a:t>T0</a:t>
+            </a:r>
+          </a:p>
+        </p:txBody>
+      </p:sp>
+      <p:sp>
+        <p:nvSpPr>
+          <p:cNvPr id="13" name="TextBox 12">
+            <a:extLst>
+              <a:ext uri="{FF2B5EF4-FFF2-40B4-BE49-F238E27FC236}">
+                <a16:creationId xmlns:a16="http://schemas.microsoft.com/office/drawing/2014/main" id="{068AF8D3-29CD-E4E1-1CD2-168A6B44D435}"/>
               </a:ext>
             </a:extLst>
           </p:cNvPr>
@@ -4007,8 +3929,8 @@
         </p:nvSpPr>
         <p:spPr>
           <a:xfrm>
-            <a:off x="593766" y="6211669"/>
-            <a:ext cx="3199915" cy="646331"/>
+            <a:off x="1296679" y="1273966"/>
+            <a:ext cx="822191" cy="369332"/>
           </a:xfrm>
           <a:prstGeom prst="rect">
             <a:avLst/>
@@ -4016,30 +3938,54 @@
           <a:noFill/>
         </p:spPr>
         <p:txBody>
-          <a:bodyPr wrap="none" rtlCol="0">
+          <a:bodyPr wrap="square" rtlCol="0">
             <a:spAutoFit/>
           </a:bodyPr>
           <a:lstStyle/>
           <a:p>
             <a:r>
               <a:rPr lang="en-US" dirty="0"/>
-              <a:t>N pop = 100</a:t>
-            </a:r>
-          </a:p>
-          <a:p>
-            <a:r>
-              <a:rPr lang="en-US" dirty="0"/>
-              <a:t>Fitness landscape = hamming</a:t>
-            </a:r>
-          </a:p>
-        </p:txBody>
-      </p:sp>
-      <p:sp>
-        <p:nvSpPr>
-          <p:cNvPr id="21" name="TextBox 20">
-            <a:extLst>
-              <a:ext uri="{FF2B5EF4-FFF2-40B4-BE49-F238E27FC236}">
-                <a16:creationId xmlns:a16="http://schemas.microsoft.com/office/drawing/2014/main" id="{1464984E-D68D-5C79-2A69-724935EAF299}"/>
+              <a:t>…</a:t>
+            </a:r>
+          </a:p>
+        </p:txBody>
+      </p:sp>
+      <p:pic>
+        <p:nvPicPr>
+          <p:cNvPr id="17" name="Picture 16" descr="A graph of different colored lines&#10;&#10;Description automatically generated">
+            <a:extLst>
+              <a:ext uri="{FF2B5EF4-FFF2-40B4-BE49-F238E27FC236}">
+                <a16:creationId xmlns:a16="http://schemas.microsoft.com/office/drawing/2014/main" id="{8690D58B-2935-1D9F-D685-CF97677E189C}"/>
+              </a:ext>
+            </a:extLst>
+          </p:cNvPr>
+          <p:cNvPicPr>
+            <a:picLocks noChangeAspect="1"/>
+          </p:cNvPicPr>
+          <p:nvPr/>
+        </p:nvPicPr>
+        <p:blipFill>
+          <a:blip r:embed="rId3"/>
+          <a:stretch>
+            <a:fillRect/>
+          </a:stretch>
+        </p:blipFill>
+        <p:spPr>
+          <a:xfrm>
+            <a:off x="6211502" y="1511392"/>
+            <a:ext cx="5816046" cy="4464560"/>
+          </a:xfrm>
+          <a:prstGeom prst="rect">
+            <a:avLst/>
+          </a:prstGeom>
+        </p:spPr>
+      </p:pic>
+      <p:sp>
+        <p:nvSpPr>
+          <p:cNvPr id="22" name="TextBox 21">
+            <a:extLst>
+              <a:ext uri="{FF2B5EF4-FFF2-40B4-BE49-F238E27FC236}">
+                <a16:creationId xmlns:a16="http://schemas.microsoft.com/office/drawing/2014/main" id="{21410F95-35FA-4594-E595-78A7DCD07E55}"/>
               </a:ext>
             </a:extLst>
           </p:cNvPr>
@@ -4047,9 +3993,9 @@
           <p:nvPr/>
         </p:nvSpPr>
         <p:spPr>
-          <a:xfrm>
-            <a:off x="510639" y="5510151"/>
-            <a:ext cx="184731" cy="369332"/>
+          <a:xfrm rot="16200000">
+            <a:off x="7384104" y="1223012"/>
+            <a:ext cx="769017" cy="253916"/>
           </a:xfrm>
           <a:prstGeom prst="rect">
             <a:avLst/>
@@ -4057,19 +4003,267 @@
           <a:noFill/>
         </p:spPr>
         <p:txBody>
+          <a:bodyPr wrap="square">
+            <a:spAutoFit/>
+          </a:bodyPr>
+          <a:lstStyle/>
+          <a:p>
+            <a:r>
+              <a:rPr lang="en-US" sz="1050" dirty="0"/>
+              <a:t>T1 -&gt; T0</a:t>
+            </a:r>
+          </a:p>
+        </p:txBody>
+      </p:sp>
+      <p:sp>
+        <p:nvSpPr>
+          <p:cNvPr id="23" name="TextBox 22">
+            <a:extLst>
+              <a:ext uri="{FF2B5EF4-FFF2-40B4-BE49-F238E27FC236}">
+                <a16:creationId xmlns:a16="http://schemas.microsoft.com/office/drawing/2014/main" id="{A72183AC-3AD4-D899-D0A1-323F189F80DA}"/>
+              </a:ext>
+            </a:extLst>
+          </p:cNvPr>
+          <p:cNvSpPr txBox="1"/>
+          <p:nvPr/>
+        </p:nvSpPr>
+        <p:spPr>
+          <a:xfrm rot="16200000">
+            <a:off x="6441739" y="1223012"/>
+            <a:ext cx="769017" cy="253916"/>
+          </a:xfrm>
+          <a:prstGeom prst="rect">
+            <a:avLst/>
+          </a:prstGeom>
+          <a:noFill/>
+        </p:spPr>
+        <p:txBody>
+          <a:bodyPr wrap="square">
+            <a:spAutoFit/>
+          </a:bodyPr>
+          <a:lstStyle/>
+          <a:p>
+            <a:r>
+              <a:rPr lang="en-US" sz="1050" dirty="0"/>
+              <a:t>T0</a:t>
+            </a:r>
+          </a:p>
+        </p:txBody>
+      </p:sp>
+      <p:sp>
+        <p:nvSpPr>
+          <p:cNvPr id="24" name="TextBox 23">
+            <a:extLst>
+              <a:ext uri="{FF2B5EF4-FFF2-40B4-BE49-F238E27FC236}">
+                <a16:creationId xmlns:a16="http://schemas.microsoft.com/office/drawing/2014/main" id="{60BB8807-42C9-A158-5161-FCC2DB329A36}"/>
+              </a:ext>
+            </a:extLst>
+          </p:cNvPr>
+          <p:cNvSpPr txBox="1"/>
+          <p:nvPr/>
+        </p:nvSpPr>
+        <p:spPr>
+          <a:xfrm rot="16200000">
+            <a:off x="6894665" y="1223012"/>
+            <a:ext cx="769017" cy="253916"/>
+          </a:xfrm>
+          <a:prstGeom prst="rect">
+            <a:avLst/>
+          </a:prstGeom>
+          <a:noFill/>
+        </p:spPr>
+        <p:txBody>
+          <a:bodyPr wrap="square">
+            <a:spAutoFit/>
+          </a:bodyPr>
+          <a:lstStyle/>
+          <a:p>
+            <a:r>
+              <a:rPr lang="en-US" sz="1050" dirty="0"/>
+              <a:t>T0 -&gt; T1</a:t>
+            </a:r>
+          </a:p>
+        </p:txBody>
+      </p:sp>
+      <p:sp>
+        <p:nvSpPr>
+          <p:cNvPr id="25" name="TextBox 24">
+            <a:extLst>
+              <a:ext uri="{FF2B5EF4-FFF2-40B4-BE49-F238E27FC236}">
+                <a16:creationId xmlns:a16="http://schemas.microsoft.com/office/drawing/2014/main" id="{7328F344-03C9-8E8E-E939-28AE134DDD3F}"/>
+              </a:ext>
+            </a:extLst>
+          </p:cNvPr>
+          <p:cNvSpPr txBox="1"/>
+          <p:nvPr/>
+        </p:nvSpPr>
+        <p:spPr>
+          <a:xfrm>
+            <a:off x="8043149" y="1165304"/>
+            <a:ext cx="822191" cy="369332"/>
+          </a:xfrm>
+          <a:prstGeom prst="rect">
+            <a:avLst/>
+          </a:prstGeom>
+          <a:noFill/>
+        </p:spPr>
+        <p:txBody>
+          <a:bodyPr wrap="square" rtlCol="0">
+            <a:spAutoFit/>
+          </a:bodyPr>
+          <a:lstStyle/>
+          <a:p>
+            <a:r>
+              <a:rPr lang="en-US" dirty="0"/>
+              <a:t>…</a:t>
+            </a:r>
+          </a:p>
+        </p:txBody>
+      </p:sp>
+      <p:sp>
+        <p:nvSpPr>
+          <p:cNvPr id="2" name="TextBox 1">
+            <a:extLst>
+              <a:ext uri="{FF2B5EF4-FFF2-40B4-BE49-F238E27FC236}">
+                <a16:creationId xmlns:a16="http://schemas.microsoft.com/office/drawing/2014/main" id="{BF088AF0-F1B4-1DAC-ADAA-EAD52E125ED1}"/>
+              </a:ext>
+            </a:extLst>
+          </p:cNvPr>
+          <p:cNvSpPr txBox="1"/>
+          <p:nvPr/>
+        </p:nvSpPr>
+        <p:spPr>
+          <a:xfrm>
+            <a:off x="740201" y="334251"/>
+            <a:ext cx="2860078" cy="369332"/>
+          </a:xfrm>
+          <a:prstGeom prst="rect">
+            <a:avLst/>
+          </a:prstGeom>
+          <a:noFill/>
+        </p:spPr>
+        <p:txBody>
           <a:bodyPr wrap="none" rtlCol="0">
             <a:spAutoFit/>
           </a:bodyPr>
           <a:lstStyle/>
           <a:p>
-            <a:endParaRPr lang="en-US" dirty="0"/>
+            <a:r>
+              <a:rPr lang="en-US" dirty="0"/>
+              <a:t>Special close-up examples</a:t>
+            </a:r>
+          </a:p>
+        </p:txBody>
+      </p:sp>
+      <p:sp>
+        <p:nvSpPr>
+          <p:cNvPr id="3" name="TextBox 2">
+            <a:extLst>
+              <a:ext uri="{FF2B5EF4-FFF2-40B4-BE49-F238E27FC236}">
+                <a16:creationId xmlns:a16="http://schemas.microsoft.com/office/drawing/2014/main" id="{0D53AF55-ACAF-04F1-6CFE-1B33EED3636B}"/>
+              </a:ext>
+            </a:extLst>
+          </p:cNvPr>
+          <p:cNvSpPr txBox="1"/>
+          <p:nvPr/>
+        </p:nvSpPr>
+        <p:spPr>
+          <a:xfrm>
+            <a:off x="2832153" y="4329154"/>
+            <a:ext cx="1223668" cy="338554"/>
+          </a:xfrm>
+          <a:prstGeom prst="rect">
+            <a:avLst/>
+          </a:prstGeom>
+          <a:noFill/>
+        </p:spPr>
+        <p:txBody>
+          <a:bodyPr wrap="none" rtlCol="0">
+            <a:spAutoFit/>
+          </a:bodyPr>
+          <a:lstStyle/>
+          <a:p>
+            <a:r>
+              <a:rPr lang="en-US" sz="1600" dirty="0"/>
+              <a:t>generations</a:t>
+            </a:r>
+          </a:p>
+        </p:txBody>
+      </p:sp>
+      <p:sp>
+        <p:nvSpPr>
+          <p:cNvPr id="4" name="TextBox 3">
+            <a:extLst>
+              <a:ext uri="{FF2B5EF4-FFF2-40B4-BE49-F238E27FC236}">
+                <a16:creationId xmlns:a16="http://schemas.microsoft.com/office/drawing/2014/main" id="{51A73282-1703-B326-B5E2-F58105202193}"/>
+              </a:ext>
+            </a:extLst>
+          </p:cNvPr>
+          <p:cNvSpPr txBox="1"/>
+          <p:nvPr/>
+        </p:nvSpPr>
+        <p:spPr>
+          <a:xfrm>
+            <a:off x="8648199" y="4329154"/>
+            <a:ext cx="1223668" cy="338554"/>
+          </a:xfrm>
+          <a:prstGeom prst="rect">
+            <a:avLst/>
+          </a:prstGeom>
+          <a:noFill/>
+        </p:spPr>
+        <p:txBody>
+          <a:bodyPr wrap="none" rtlCol="0">
+            <a:spAutoFit/>
+          </a:bodyPr>
+          <a:lstStyle/>
+          <a:p>
+            <a:r>
+              <a:rPr lang="en-US" sz="1600" dirty="0"/>
+              <a:t>generations</a:t>
+            </a:r>
+          </a:p>
+        </p:txBody>
+      </p:sp>
+      <p:sp>
+        <p:nvSpPr>
+          <p:cNvPr id="8" name="TextBox 7">
+            <a:extLst>
+              <a:ext uri="{FF2B5EF4-FFF2-40B4-BE49-F238E27FC236}">
+                <a16:creationId xmlns:a16="http://schemas.microsoft.com/office/drawing/2014/main" id="{211BDC04-8D5B-4F8A-C6C7-454B77AAC6EA}"/>
+              </a:ext>
+            </a:extLst>
+          </p:cNvPr>
+          <p:cNvSpPr txBox="1"/>
+          <p:nvPr/>
+        </p:nvSpPr>
+        <p:spPr>
+          <a:xfrm>
+            <a:off x="740201" y="670606"/>
+            <a:ext cx="3058786" cy="369332"/>
+          </a:xfrm>
+          <a:prstGeom prst="rect">
+            <a:avLst/>
+          </a:prstGeom>
+          <a:noFill/>
+        </p:spPr>
+        <p:txBody>
+          <a:bodyPr wrap="none" rtlCol="0">
+            <a:spAutoFit/>
+          </a:bodyPr>
+          <a:lstStyle/>
+          <a:p>
+            <a:r>
+              <a:rPr lang="en-US" dirty="0"/>
+              <a:t>(Vertical lines are target flips)</a:t>
+            </a:r>
           </a:p>
         </p:txBody>
       </p:sp>
     </p:spTree>
     <p:extLst>
       <p:ext uri="{BB962C8B-B14F-4D97-AF65-F5344CB8AC3E}">
-        <p14:creationId xmlns:p14="http://schemas.microsoft.com/office/powerpoint/2010/main" val="1976713413"/>
+        <p14:creationId xmlns:p14="http://schemas.microsoft.com/office/powerpoint/2010/main" val="2589146659"/>
       </p:ext>
     </p:extLst>
   </p:cSld>
@@ -4096,19 +4290,113 @@
           <a:chExt cx="0" cy="0"/>
         </a:xfrm>
       </p:grpSpPr>
+      <p:sp>
+        <p:nvSpPr>
+          <p:cNvPr id="2" name="Title 1">
+            <a:extLst>
+              <a:ext uri="{FF2B5EF4-FFF2-40B4-BE49-F238E27FC236}">
+                <a16:creationId xmlns:a16="http://schemas.microsoft.com/office/drawing/2014/main" id="{F5D490E5-6E0C-BB14-DB93-0C80842ECB49}"/>
+              </a:ext>
+            </a:extLst>
+          </p:cNvPr>
+          <p:cNvSpPr>
+            <a:spLocks noGrp="1"/>
+          </p:cNvSpPr>
+          <p:nvPr>
+            <p:ph type="title"/>
+          </p:nvPr>
+        </p:nvSpPr>
+        <p:spPr>
+          <a:xfrm>
+            <a:off x="6096000" y="1970916"/>
+            <a:ext cx="6116420" cy="2363578"/>
+          </a:xfrm>
+        </p:spPr>
+        <p:txBody>
+          <a:bodyPr>
+            <a:noAutofit/>
+          </a:bodyPr>
+          <a:lstStyle/>
+          <a:p>
+            <a:r>
+              <a:rPr lang="en-US" sz="2400" dirty="0"/>
+              <a:t>Dominating seqs are the represented as diff regimes</a:t>
+            </a:r>
+            <a:br>
+              <a:rPr lang="en-US" sz="2400" dirty="0"/>
+            </a:br>
+            <a:br>
+              <a:rPr lang="en-US" sz="2400" dirty="0"/>
+            </a:br>
+            <a:r>
+              <a:rPr lang="en-US" sz="2400" b="1" dirty="0"/>
+              <a:t>blue</a:t>
+            </a:r>
+            <a:r>
+              <a:rPr lang="en-US" sz="2400" dirty="0"/>
+              <a:t>: area extremes + area noise &gt; area </a:t>
+            </a:r>
+            <a:r>
+              <a:rPr lang="en-US" sz="2400" dirty="0" err="1"/>
+              <a:t>seqscommon</a:t>
+            </a:r>
+            <a:r>
+              <a:rPr lang="en-US" sz="2400" dirty="0"/>
+              <a:t> + </a:t>
+            </a:r>
+            <a:r>
+              <a:rPr lang="en-US" sz="2400" dirty="0" err="1"/>
+              <a:t>seqstarget</a:t>
+            </a:r>
+            <a:br>
+              <a:rPr lang="en-US" sz="2400" dirty="0"/>
+            </a:br>
+            <a:r>
+              <a:rPr lang="en-US" sz="2400" b="1" dirty="0"/>
+              <a:t>red</a:t>
+            </a:r>
+            <a:r>
+              <a:rPr lang="en-US" sz="2400" dirty="0"/>
+              <a:t>: area </a:t>
+            </a:r>
+            <a:r>
+              <a:rPr lang="en-US" sz="2400" dirty="0" err="1"/>
+              <a:t>seqscommon</a:t>
+            </a:r>
+            <a:r>
+              <a:rPr lang="en-US" sz="2400" dirty="0"/>
+              <a:t> + area </a:t>
+            </a:r>
+            <a:r>
+              <a:rPr lang="en-US" sz="2400" dirty="0" err="1"/>
+              <a:t>seqstarget</a:t>
+            </a:r>
+            <a:r>
+              <a:rPr lang="en-US" sz="2400" dirty="0"/>
+              <a:t> &gt; area extremes + area noise </a:t>
+            </a:r>
+            <a:br>
+              <a:rPr lang="en-US" sz="2400" dirty="0"/>
+            </a:br>
+            <a:endParaRPr lang="en-US" sz="2400" dirty="0"/>
+          </a:p>
+        </p:txBody>
+      </p:sp>
       <p:pic>
         <p:nvPicPr>
-          <p:cNvPr id="5" name="Picture 4" descr="A graph of dna genotypes&#10;&#10;Description automatically generated">
-            <a:extLst>
-              <a:ext uri="{FF2B5EF4-FFF2-40B4-BE49-F238E27FC236}">
-                <a16:creationId xmlns:a16="http://schemas.microsoft.com/office/drawing/2014/main" id="{F303BA30-0C4A-117F-CDAA-1A01D8CBCEB2}"/>
+          <p:cNvPr id="9" name="Content Placeholder 8" descr="A white rectangular object with red and blue dots&#10;&#10;Description automatically generated">
+            <a:extLst>
+              <a:ext uri="{FF2B5EF4-FFF2-40B4-BE49-F238E27FC236}">
+                <a16:creationId xmlns:a16="http://schemas.microsoft.com/office/drawing/2014/main" id="{FE2FB81B-B2E9-A854-2A1D-31B56F96AF9C}"/>
               </a:ext>
             </a:extLst>
           </p:cNvPr>
           <p:cNvPicPr>
-            <a:picLocks noChangeAspect="1"/>
+            <a:picLocks noGrp="1" noChangeAspect="1"/>
           </p:cNvPicPr>
-          <p:nvPr/>
+          <p:nvPr>
+            <p:ph idx="1"/>
+          </p:nvPr>
         </p:nvPicPr>
         <p:blipFill>
           <a:blip r:embed="rId2"/>
@@ -4118,12 +4406,9 @@
         </p:blipFill>
         <p:spPr>
           <a:xfrm>
-            <a:off x="395456" y="1511392"/>
-            <a:ext cx="5816046" cy="4464561"/>
-          </a:xfrm>
-          <a:prstGeom prst="rect">
-            <a:avLst/>
-          </a:prstGeom>
+            <a:off x="112102" y="1210813"/>
+            <a:ext cx="6116420" cy="4436373"/>
+          </a:xfrm>
         </p:spPr>
       </p:pic>
       <p:sp>
@@ -4131,7 +4416,7 @@
           <p:cNvPr id="10" name="TextBox 9">
             <a:extLst>
               <a:ext uri="{FF2B5EF4-FFF2-40B4-BE49-F238E27FC236}">
-                <a16:creationId xmlns:a16="http://schemas.microsoft.com/office/drawing/2014/main" id="{94714AF3-ADAB-7F88-6A36-8885C9C779C8}"/>
+                <a16:creationId xmlns:a16="http://schemas.microsoft.com/office/drawing/2014/main" id="{6D4E5FD9-6A7A-37A7-CDF2-C7234CD97679}"/>
               </a:ext>
             </a:extLst>
           </p:cNvPr>
@@ -4139,9 +4424,9 @@
           <p:nvPr/>
         </p:nvSpPr>
         <p:spPr>
-          <a:xfrm rot="16200000">
-            <a:off x="752918" y="1264514"/>
-            <a:ext cx="769017" cy="253916"/>
+          <a:xfrm>
+            <a:off x="1371935" y="6345825"/>
+            <a:ext cx="4294574" cy="369332"/>
           </a:xfrm>
           <a:prstGeom prst="rect">
             <a:avLst/>
@@ -4149,24 +4434,24 @@
           <a:noFill/>
         </p:spPr>
         <p:txBody>
-          <a:bodyPr wrap="square">
+          <a:bodyPr wrap="none" rtlCol="0">
             <a:spAutoFit/>
           </a:bodyPr>
           <a:lstStyle/>
           <a:p>
             <a:r>
-              <a:rPr lang="en-US" sz="1050" dirty="0"/>
-              <a:t>T0 -&gt; T1</a:t>
-            </a:r>
-          </a:p>
-        </p:txBody>
-      </p:sp>
-      <p:sp>
-        <p:nvSpPr>
-          <p:cNvPr id="11" name="TextBox 10">
-            <a:extLst>
-              <a:ext uri="{FF2B5EF4-FFF2-40B4-BE49-F238E27FC236}">
-                <a16:creationId xmlns:a16="http://schemas.microsoft.com/office/drawing/2014/main" id="{DF51F627-CFB9-F850-BC88-E9F473825CE4}"/>
+              <a:rPr lang="en-US" dirty="0"/>
+              <a:t>In progress… collecting more points now. </a:t>
+            </a:r>
+          </a:p>
+        </p:txBody>
+      </p:sp>
+      <p:sp>
+        <p:nvSpPr>
+          <p:cNvPr id="12" name="TextBox 11">
+            <a:extLst>
+              <a:ext uri="{FF2B5EF4-FFF2-40B4-BE49-F238E27FC236}">
+                <a16:creationId xmlns:a16="http://schemas.microsoft.com/office/drawing/2014/main" id="{356DE42C-8015-6141-1C61-13E21FC9EA54}"/>
               </a:ext>
             </a:extLst>
           </p:cNvPr>
@@ -4174,9 +4459,9 @@
           <p:nvPr/>
         </p:nvSpPr>
         <p:spPr>
-          <a:xfrm rot="16200000">
-            <a:off x="880145" y="1264513"/>
-            <a:ext cx="769017" cy="253916"/>
+          <a:xfrm>
+            <a:off x="408709" y="512175"/>
+            <a:ext cx="8782792" cy="646331"/>
           </a:xfrm>
           <a:prstGeom prst="rect">
             <a:avLst/>
@@ -4184,402 +4469,73 @@
           <a:noFill/>
         </p:spPr>
         <p:txBody>
-          <a:bodyPr wrap="square">
+          <a:bodyPr wrap="square" rtlCol="0">
             <a:spAutoFit/>
           </a:bodyPr>
           <a:lstStyle/>
           <a:p>
             <a:r>
-              <a:rPr lang="en-US" sz="1050" dirty="0"/>
-              <a:t>T1 -&gt; T0</a:t>
-            </a:r>
-          </a:p>
-        </p:txBody>
-      </p:sp>
-      <p:sp>
-        <p:nvSpPr>
-          <p:cNvPr id="12" name="TextBox 11">
-            <a:extLst>
-              <a:ext uri="{FF2B5EF4-FFF2-40B4-BE49-F238E27FC236}">
-                <a16:creationId xmlns:a16="http://schemas.microsoft.com/office/drawing/2014/main" id="{7E23F860-D2AE-8708-2DD6-C2A6B628CA23}"/>
-              </a:ext>
-            </a:extLst>
-          </p:cNvPr>
-          <p:cNvSpPr txBox="1"/>
+              <a:rPr lang="en-US" dirty="0"/>
+              <a:t>Integral over the curve for each type of seq and compare the areas to see which one dominates over the tot evolutionary sim</a:t>
+            </a:r>
+          </a:p>
+        </p:txBody>
+      </p:sp>
+      <p:sp>
+        <p:nvSpPr>
+          <p:cNvPr id="13" name="Title 1">
+            <a:extLst>
+              <a:ext uri="{FF2B5EF4-FFF2-40B4-BE49-F238E27FC236}">
+                <a16:creationId xmlns:a16="http://schemas.microsoft.com/office/drawing/2014/main" id="{0FAF0B56-4FC1-7EF8-FA54-732BC265DA66}"/>
+              </a:ext>
+            </a:extLst>
+          </p:cNvPr>
+          <p:cNvSpPr txBox="1">
+            <a:spLocks/>
+          </p:cNvSpPr>
           <p:nvPr/>
         </p:nvSpPr>
         <p:spPr>
-          <a:xfrm rot="16200000">
-            <a:off x="625691" y="1264513"/>
-            <a:ext cx="769017" cy="253916"/>
+          <a:xfrm>
+            <a:off x="408709" y="-264108"/>
+            <a:ext cx="10515600" cy="1325563"/>
           </a:xfrm>
           <a:prstGeom prst="rect">
             <a:avLst/>
           </a:prstGeom>
-          <a:noFill/>
-        </p:spPr>
-        <p:txBody>
-          <a:bodyPr wrap="square">
-            <a:spAutoFit/>
+        </p:spPr>
+        <p:txBody>
+          <a:bodyPr vert="horz" lIns="91440" tIns="45720" rIns="91440" bIns="45720" rtlCol="0" anchor="ctr">
+            <a:normAutofit/>
           </a:bodyPr>
-          <a:lstStyle/>
-          <a:p>
-            <a:r>
-              <a:rPr lang="en-US" sz="1050" dirty="0"/>
-              <a:t>T0</a:t>
-            </a:r>
-          </a:p>
-        </p:txBody>
-      </p:sp>
-      <p:sp>
-        <p:nvSpPr>
-          <p:cNvPr id="13" name="TextBox 12">
-            <a:extLst>
-              <a:ext uri="{FF2B5EF4-FFF2-40B4-BE49-F238E27FC236}">
-                <a16:creationId xmlns:a16="http://schemas.microsoft.com/office/drawing/2014/main" id="{068AF8D3-29CD-E4E1-1CD2-168A6B44D435}"/>
-              </a:ext>
-            </a:extLst>
-          </p:cNvPr>
-          <p:cNvSpPr txBox="1"/>
-          <p:nvPr/>
-        </p:nvSpPr>
-        <p:spPr>
-          <a:xfrm>
-            <a:off x="1296679" y="1273966"/>
-            <a:ext cx="822191" cy="369332"/>
-          </a:xfrm>
-          <a:prstGeom prst="rect">
-            <a:avLst/>
-          </a:prstGeom>
-          <a:noFill/>
-        </p:spPr>
-        <p:txBody>
-          <a:bodyPr wrap="square" rtlCol="0">
-            <a:spAutoFit/>
-          </a:bodyPr>
-          <a:lstStyle/>
-          <a:p>
-            <a:r>
-              <a:rPr lang="en-US" dirty="0"/>
-              <a:t>…</a:t>
-            </a:r>
-          </a:p>
-        </p:txBody>
-      </p:sp>
-      <p:pic>
-        <p:nvPicPr>
-          <p:cNvPr id="17" name="Picture 16" descr="A graph of different colored lines&#10;&#10;Description automatically generated">
-            <a:extLst>
-              <a:ext uri="{FF2B5EF4-FFF2-40B4-BE49-F238E27FC236}">
-                <a16:creationId xmlns:a16="http://schemas.microsoft.com/office/drawing/2014/main" id="{8690D58B-2935-1D9F-D685-CF97677E189C}"/>
-              </a:ext>
-            </a:extLst>
-          </p:cNvPr>
-          <p:cNvPicPr>
-            <a:picLocks noChangeAspect="1"/>
-          </p:cNvPicPr>
-          <p:nvPr/>
-        </p:nvPicPr>
-        <p:blipFill>
-          <a:blip r:embed="rId3"/>
-          <a:stretch>
-            <a:fillRect/>
-          </a:stretch>
-        </p:blipFill>
-        <p:spPr>
-          <a:xfrm>
-            <a:off x="6211502" y="1511392"/>
-            <a:ext cx="5816046" cy="4464560"/>
-          </a:xfrm>
-          <a:prstGeom prst="rect">
-            <a:avLst/>
-          </a:prstGeom>
-        </p:spPr>
-      </p:pic>
-      <p:sp>
-        <p:nvSpPr>
-          <p:cNvPr id="22" name="TextBox 21">
-            <a:extLst>
-              <a:ext uri="{FF2B5EF4-FFF2-40B4-BE49-F238E27FC236}">
-                <a16:creationId xmlns:a16="http://schemas.microsoft.com/office/drawing/2014/main" id="{21410F95-35FA-4594-E595-78A7DCD07E55}"/>
-              </a:ext>
-            </a:extLst>
-          </p:cNvPr>
-          <p:cNvSpPr txBox="1"/>
-          <p:nvPr/>
-        </p:nvSpPr>
-        <p:spPr>
-          <a:xfrm rot="16200000">
-            <a:off x="7384104" y="1223012"/>
-            <a:ext cx="769017" cy="253916"/>
-          </a:xfrm>
-          <a:prstGeom prst="rect">
-            <a:avLst/>
-          </a:prstGeom>
-          <a:noFill/>
-        </p:spPr>
-        <p:txBody>
-          <a:bodyPr wrap="square">
-            <a:spAutoFit/>
-          </a:bodyPr>
-          <a:lstStyle/>
-          <a:p>
-            <a:r>
-              <a:rPr lang="en-US" sz="1050" dirty="0"/>
-              <a:t>T1 -&gt; T0</a:t>
-            </a:r>
-          </a:p>
-        </p:txBody>
-      </p:sp>
-      <p:sp>
-        <p:nvSpPr>
-          <p:cNvPr id="23" name="TextBox 22">
-            <a:extLst>
-              <a:ext uri="{FF2B5EF4-FFF2-40B4-BE49-F238E27FC236}">
-                <a16:creationId xmlns:a16="http://schemas.microsoft.com/office/drawing/2014/main" id="{A72183AC-3AD4-D899-D0A1-323F189F80DA}"/>
-              </a:ext>
-            </a:extLst>
-          </p:cNvPr>
-          <p:cNvSpPr txBox="1"/>
-          <p:nvPr/>
-        </p:nvSpPr>
-        <p:spPr>
-          <a:xfrm rot="16200000">
-            <a:off x="6441739" y="1223012"/>
-            <a:ext cx="769017" cy="253916"/>
-          </a:xfrm>
-          <a:prstGeom prst="rect">
-            <a:avLst/>
-          </a:prstGeom>
-          <a:noFill/>
-        </p:spPr>
-        <p:txBody>
-          <a:bodyPr wrap="square">
-            <a:spAutoFit/>
-          </a:bodyPr>
-          <a:lstStyle/>
-          <a:p>
-            <a:r>
-              <a:rPr lang="en-US" sz="1050" dirty="0"/>
-              <a:t>T0</a:t>
-            </a:r>
-          </a:p>
-        </p:txBody>
-      </p:sp>
-      <p:sp>
-        <p:nvSpPr>
-          <p:cNvPr id="24" name="TextBox 23">
-            <a:extLst>
-              <a:ext uri="{FF2B5EF4-FFF2-40B4-BE49-F238E27FC236}">
-                <a16:creationId xmlns:a16="http://schemas.microsoft.com/office/drawing/2014/main" id="{60BB8807-42C9-A158-5161-FCC2DB329A36}"/>
-              </a:ext>
-            </a:extLst>
-          </p:cNvPr>
-          <p:cNvSpPr txBox="1"/>
-          <p:nvPr/>
-        </p:nvSpPr>
-        <p:spPr>
-          <a:xfrm rot="16200000">
-            <a:off x="6894665" y="1223012"/>
-            <a:ext cx="769017" cy="253916"/>
-          </a:xfrm>
-          <a:prstGeom prst="rect">
-            <a:avLst/>
-          </a:prstGeom>
-          <a:noFill/>
-        </p:spPr>
-        <p:txBody>
-          <a:bodyPr wrap="square">
-            <a:spAutoFit/>
-          </a:bodyPr>
-          <a:lstStyle/>
-          <a:p>
-            <a:r>
-              <a:rPr lang="en-US" sz="1050" dirty="0"/>
-              <a:t>T0 -&gt; T1</a:t>
-            </a:r>
-          </a:p>
-        </p:txBody>
-      </p:sp>
-      <p:sp>
-        <p:nvSpPr>
-          <p:cNvPr id="25" name="TextBox 24">
-            <a:extLst>
-              <a:ext uri="{FF2B5EF4-FFF2-40B4-BE49-F238E27FC236}">
-                <a16:creationId xmlns:a16="http://schemas.microsoft.com/office/drawing/2014/main" id="{7328F344-03C9-8E8E-E939-28AE134DDD3F}"/>
-              </a:ext>
-            </a:extLst>
-          </p:cNvPr>
-          <p:cNvSpPr txBox="1"/>
-          <p:nvPr/>
-        </p:nvSpPr>
-        <p:spPr>
-          <a:xfrm>
-            <a:off x="8043149" y="1165304"/>
-            <a:ext cx="822191" cy="369332"/>
-          </a:xfrm>
-          <a:prstGeom prst="rect">
-            <a:avLst/>
-          </a:prstGeom>
-          <a:noFill/>
-        </p:spPr>
-        <p:txBody>
-          <a:bodyPr wrap="square" rtlCol="0">
-            <a:spAutoFit/>
-          </a:bodyPr>
-          <a:lstStyle/>
-          <a:p>
-            <a:r>
-              <a:rPr lang="en-US" dirty="0"/>
-              <a:t>…</a:t>
-            </a:r>
-          </a:p>
-        </p:txBody>
-      </p:sp>
-      <p:sp>
-        <p:nvSpPr>
-          <p:cNvPr id="2" name="TextBox 1">
-            <a:extLst>
-              <a:ext uri="{FF2B5EF4-FFF2-40B4-BE49-F238E27FC236}">
-                <a16:creationId xmlns:a16="http://schemas.microsoft.com/office/drawing/2014/main" id="{BF088AF0-F1B4-1DAC-ADAA-EAD52E125ED1}"/>
-              </a:ext>
-            </a:extLst>
-          </p:cNvPr>
-          <p:cNvSpPr txBox="1"/>
-          <p:nvPr/>
-        </p:nvSpPr>
-        <p:spPr>
-          <a:xfrm>
-            <a:off x="740201" y="334251"/>
-            <a:ext cx="2860078" cy="369332"/>
-          </a:xfrm>
-          <a:prstGeom prst="rect">
-            <a:avLst/>
-          </a:prstGeom>
-          <a:noFill/>
-        </p:spPr>
-        <p:txBody>
-          <a:bodyPr wrap="none" rtlCol="0">
-            <a:spAutoFit/>
-          </a:bodyPr>
-          <a:lstStyle/>
-          <a:p>
-            <a:r>
-              <a:rPr lang="en-US" dirty="0"/>
-              <a:t>Special close-up examples</a:t>
-            </a:r>
-          </a:p>
-        </p:txBody>
-      </p:sp>
-      <p:sp>
-        <p:nvSpPr>
-          <p:cNvPr id="3" name="TextBox 2">
-            <a:extLst>
-              <a:ext uri="{FF2B5EF4-FFF2-40B4-BE49-F238E27FC236}">
-                <a16:creationId xmlns:a16="http://schemas.microsoft.com/office/drawing/2014/main" id="{0D53AF55-ACAF-04F1-6CFE-1B33EED3636B}"/>
-              </a:ext>
-            </a:extLst>
-          </p:cNvPr>
-          <p:cNvSpPr txBox="1"/>
-          <p:nvPr/>
-        </p:nvSpPr>
-        <p:spPr>
-          <a:xfrm>
-            <a:off x="2832153" y="4329154"/>
-            <a:ext cx="1223668" cy="338554"/>
-          </a:xfrm>
-          <a:prstGeom prst="rect">
-            <a:avLst/>
-          </a:prstGeom>
-          <a:noFill/>
-        </p:spPr>
-        <p:txBody>
-          <a:bodyPr wrap="none" rtlCol="0">
-            <a:spAutoFit/>
-          </a:bodyPr>
-          <a:lstStyle/>
-          <a:p>
-            <a:r>
-              <a:rPr lang="en-US" sz="1600" dirty="0"/>
-              <a:t>generations</a:t>
-            </a:r>
-          </a:p>
-        </p:txBody>
-      </p:sp>
-      <p:sp>
-        <p:nvSpPr>
-          <p:cNvPr id="4" name="TextBox 3">
-            <a:extLst>
-              <a:ext uri="{FF2B5EF4-FFF2-40B4-BE49-F238E27FC236}">
-                <a16:creationId xmlns:a16="http://schemas.microsoft.com/office/drawing/2014/main" id="{51A73282-1703-B326-B5E2-F58105202193}"/>
-              </a:ext>
-            </a:extLst>
-          </p:cNvPr>
-          <p:cNvSpPr txBox="1"/>
-          <p:nvPr/>
-        </p:nvSpPr>
-        <p:spPr>
-          <a:xfrm>
-            <a:off x="8648199" y="4329154"/>
-            <a:ext cx="1223668" cy="338554"/>
-          </a:xfrm>
-          <a:prstGeom prst="rect">
-            <a:avLst/>
-          </a:prstGeom>
-          <a:noFill/>
-        </p:spPr>
-        <p:txBody>
-          <a:bodyPr wrap="none" rtlCol="0">
-            <a:spAutoFit/>
-          </a:bodyPr>
-          <a:lstStyle/>
-          <a:p>
-            <a:r>
-              <a:rPr lang="en-US" sz="1600" dirty="0"/>
-              <a:t>generations</a:t>
-            </a:r>
-          </a:p>
-        </p:txBody>
-      </p:sp>
-      <p:sp>
-        <p:nvSpPr>
-          <p:cNvPr id="8" name="TextBox 7">
-            <a:extLst>
-              <a:ext uri="{FF2B5EF4-FFF2-40B4-BE49-F238E27FC236}">
-                <a16:creationId xmlns:a16="http://schemas.microsoft.com/office/drawing/2014/main" id="{211BDC04-8D5B-4F8A-C6C7-454B77AAC6EA}"/>
-              </a:ext>
-            </a:extLst>
-          </p:cNvPr>
-          <p:cNvSpPr txBox="1"/>
-          <p:nvPr/>
-        </p:nvSpPr>
-        <p:spPr>
-          <a:xfrm>
-            <a:off x="740201" y="670606"/>
-            <a:ext cx="3058786" cy="369332"/>
-          </a:xfrm>
-          <a:prstGeom prst="rect">
-            <a:avLst/>
-          </a:prstGeom>
-          <a:noFill/>
-        </p:spPr>
-        <p:txBody>
-          <a:bodyPr wrap="none" rtlCol="0">
-            <a:spAutoFit/>
-          </a:bodyPr>
-          <a:lstStyle/>
-          <a:p>
-            <a:r>
-              <a:rPr lang="en-US" dirty="0"/>
-              <a:t>(Vertical lines are target flips)</a:t>
-            </a:r>
+          <a:lstStyle>
+            <a:lvl1pPr algn="l" defTabSz="914400" rtl="0" eaLnBrk="1" latinLnBrk="0" hangingPunct="1">
+              <a:lnSpc>
+                <a:spcPct val="90000"/>
+              </a:lnSpc>
+              <a:spcBef>
+                <a:spcPct val="0"/>
+              </a:spcBef>
+              <a:buNone/>
+              <a:defRPr sz="4400" kern="1200">
+                <a:solidFill>
+                  <a:schemeClr val="tx1"/>
+                </a:solidFill>
+                <a:latin typeface="+mj-lt"/>
+                <a:ea typeface="+mj-ea"/>
+                <a:cs typeface="+mj-cs"/>
+              </a:defRPr>
+            </a:lvl1pPr>
+          </a:lstStyle>
+          <a:p>
+            <a:endParaRPr lang="en-US" sz="2400" dirty="0"/>
           </a:p>
         </p:txBody>
       </p:sp>
     </p:spTree>
     <p:extLst>
       <p:ext uri="{BB962C8B-B14F-4D97-AF65-F5344CB8AC3E}">
-        <p14:creationId xmlns:p14="http://schemas.microsoft.com/office/powerpoint/2010/main" val="2589146659"/>
+        <p14:creationId xmlns:p14="http://schemas.microsoft.com/office/powerpoint/2010/main" val="3071362834"/>
       </p:ext>
     </p:extLst>
   </p:cSld>
@@ -4608,10 +4564,10 @@
       </p:grpSpPr>
       <p:sp>
         <p:nvSpPr>
-          <p:cNvPr id="2" name="Title 1">
-            <a:extLst>
-              <a:ext uri="{FF2B5EF4-FFF2-40B4-BE49-F238E27FC236}">
-                <a16:creationId xmlns:a16="http://schemas.microsoft.com/office/drawing/2014/main" id="{F5D490E5-6E0C-BB14-DB93-0C80842ECB49}"/>
+          <p:cNvPr id="4" name="Title 1">
+            <a:extLst>
+              <a:ext uri="{FF2B5EF4-FFF2-40B4-BE49-F238E27FC236}">
+                <a16:creationId xmlns:a16="http://schemas.microsoft.com/office/drawing/2014/main" id="{6F1FE487-BE0B-2608-D072-26D6D68BA1C7}"/>
               </a:ext>
             </a:extLst>
           </p:cNvPr>
@@ -4622,88 +4578,75 @@
             <p:ph type="title"/>
           </p:nvPr>
         </p:nvSpPr>
+        <p:spPr/>
+        <p:txBody>
+          <a:bodyPr/>
+          <a:lstStyle/>
+          <a:p>
+            <a:r>
+              <a:rPr lang="en-US" dirty="0"/>
+              <a:t>Initial conditions: target T1  and seqs at </a:t>
+            </a:r>
+            <a:r>
+              <a:rPr lang="en-US" dirty="0" err="1"/>
+              <a:t>seqscommon</a:t>
+            </a:r>
+            <a:r>
+              <a:rPr lang="en-US" dirty="0"/>
+              <a:t> with max prob in T0</a:t>
+            </a:r>
+          </a:p>
+        </p:txBody>
+      </p:sp>
+      <p:sp>
+        <p:nvSpPr>
+          <p:cNvPr id="11" name="TextBox 10">
+            <a:extLst>
+              <a:ext uri="{FF2B5EF4-FFF2-40B4-BE49-F238E27FC236}">
+                <a16:creationId xmlns:a16="http://schemas.microsoft.com/office/drawing/2014/main" id="{8F375D3B-CE90-4CB1-4EFA-FE5195F98E4D}"/>
+              </a:ext>
+            </a:extLst>
+          </p:cNvPr>
+          <p:cNvSpPr txBox="1"/>
+          <p:nvPr/>
+        </p:nvSpPr>
         <p:spPr>
           <a:xfrm>
-            <a:off x="6096000" y="1970916"/>
-            <a:ext cx="6116420" cy="2363578"/>
-          </a:xfrm>
-        </p:spPr>
-        <p:txBody>
-          <a:bodyPr>
-            <a:noAutofit/>
+            <a:off x="4201699" y="5140819"/>
+            <a:ext cx="3788601" cy="369332"/>
+          </a:xfrm>
+          <a:prstGeom prst="rect">
+            <a:avLst/>
+          </a:prstGeom>
+          <a:noFill/>
+        </p:spPr>
+        <p:txBody>
+          <a:bodyPr wrap="none" rtlCol="0">
+            <a:spAutoFit/>
           </a:bodyPr>
           <a:lstStyle/>
           <a:p>
             <a:r>
-              <a:rPr lang="en-US" sz="2400" dirty="0"/>
-              <a:t>Dominating seqs are the represented as diff regimes</a:t>
-            </a:r>
-            <a:br>
-              <a:rPr lang="en-US" sz="2400" dirty="0"/>
-            </a:br>
-            <a:br>
-              <a:rPr lang="en-US" sz="2400" dirty="0"/>
-            </a:br>
-            <a:r>
-              <a:rPr lang="en-US" sz="2400" b="1" dirty="0"/>
-              <a:t>blue</a:t>
-            </a:r>
-            <a:r>
-              <a:rPr lang="en-US" sz="2400" dirty="0"/>
-              <a:t>: area extremes + area noise &gt; area </a:t>
-            </a:r>
-            <a:r>
-              <a:rPr lang="en-US" sz="2400" dirty="0" err="1"/>
-              <a:t>seqscommon</a:t>
-            </a:r>
-            <a:r>
-              <a:rPr lang="en-US" sz="2400" dirty="0"/>
-              <a:t> + </a:t>
-            </a:r>
-            <a:r>
-              <a:rPr lang="en-US" sz="2400" dirty="0" err="1"/>
+              <a:rPr lang="en-US" dirty="0"/>
+              <a:t>( no </a:t>
+            </a:r>
+            <a:r>
+              <a:rPr lang="en-US" dirty="0" err="1"/>
               <a:t>seqstarget</a:t>
             </a:r>
-            <a:br>
-              <a:rPr lang="en-US" sz="2400" dirty="0"/>
-            </a:br>
-            <a:r>
-              <a:rPr lang="en-US" sz="2400" b="1" dirty="0"/>
-              <a:t>red</a:t>
-            </a:r>
-            <a:r>
-              <a:rPr lang="en-US" sz="2400" dirty="0"/>
-              <a:t>: area </a:t>
-            </a:r>
-            <a:r>
-              <a:rPr lang="en-US" sz="2400" dirty="0" err="1"/>
-              <a:t>seqscommon</a:t>
-            </a:r>
-            <a:r>
-              <a:rPr lang="en-US" sz="2400" dirty="0"/>
-              <a:t> + area </a:t>
-            </a:r>
-            <a:r>
-              <a:rPr lang="en-US" sz="2400" dirty="0" err="1"/>
-              <a:t>seqstarget</a:t>
-            </a:r>
-            <a:r>
-              <a:rPr lang="en-US" sz="2400" dirty="0"/>
-              <a:t> &gt; area extremes + area noise </a:t>
-            </a:r>
-            <a:br>
-              <a:rPr lang="en-US" sz="2400" dirty="0"/>
-            </a:br>
-            <a:endParaRPr lang="en-US" sz="2400" dirty="0"/>
+            <a:r>
+              <a:rPr lang="en-US" dirty="0"/>
+              <a:t> increase in this case)</a:t>
+            </a:r>
           </a:p>
         </p:txBody>
       </p:sp>
       <p:pic>
         <p:nvPicPr>
-          <p:cNvPr id="9" name="Content Placeholder 8" descr="A white rectangular object with red and blue dots&#10;&#10;Description automatically generated">
-            <a:extLst>
-              <a:ext uri="{FF2B5EF4-FFF2-40B4-BE49-F238E27FC236}">
-                <a16:creationId xmlns:a16="http://schemas.microsoft.com/office/drawing/2014/main" id="{FE2FB81B-B2E9-A854-2A1D-31B56F96AF9C}"/>
+          <p:cNvPr id="15" name="Content Placeholder 14" descr="A screenshot of a computer&#10;&#10;Description automatically generated">
+            <a:extLst>
+              <a:ext uri="{FF2B5EF4-FFF2-40B4-BE49-F238E27FC236}">
+                <a16:creationId xmlns:a16="http://schemas.microsoft.com/office/drawing/2014/main" id="{2B336393-09F8-3C37-8AE1-1433E611CC53}"/>
               </a:ext>
             </a:extLst>
           </p:cNvPr>
@@ -4722,17 +4665,17 @@
         </p:blipFill>
         <p:spPr>
           <a:xfrm>
-            <a:off x="112102" y="1210813"/>
-            <a:ext cx="6116420" cy="4436373"/>
+            <a:off x="250966" y="1927821"/>
+            <a:ext cx="11492672" cy="3054826"/>
           </a:xfrm>
         </p:spPr>
       </p:pic>
       <p:sp>
         <p:nvSpPr>
-          <p:cNvPr id="10" name="TextBox 9">
-            <a:extLst>
-              <a:ext uri="{FF2B5EF4-FFF2-40B4-BE49-F238E27FC236}">
-                <a16:creationId xmlns:a16="http://schemas.microsoft.com/office/drawing/2014/main" id="{6D4E5FD9-6A7A-37A7-CDF2-C7234CD97679}"/>
+          <p:cNvPr id="17" name="TextBox 16">
+            <a:extLst>
+              <a:ext uri="{FF2B5EF4-FFF2-40B4-BE49-F238E27FC236}">
+                <a16:creationId xmlns:a16="http://schemas.microsoft.com/office/drawing/2014/main" id="{A25EA094-C18C-4877-FFD8-3D723E3740BA}"/>
               </a:ext>
             </a:extLst>
           </p:cNvPr>
@@ -4741,8 +4684,8 @@
         </p:nvSpPr>
         <p:spPr>
           <a:xfrm>
-            <a:off x="1371935" y="6345825"/>
-            <a:ext cx="4294574" cy="369332"/>
+            <a:off x="843792" y="1506022"/>
+            <a:ext cx="7146508" cy="369332"/>
           </a:xfrm>
           <a:prstGeom prst="rect">
             <a:avLst/>
@@ -4757,17 +4700,17 @@
           <a:p>
             <a:r>
               <a:rPr lang="en-US" dirty="0"/>
-              <a:t>In progress… collecting more points now. </a:t>
-            </a:r>
-          </a:p>
-        </p:txBody>
-      </p:sp>
-      <p:sp>
-        <p:nvSpPr>
-          <p:cNvPr id="12" name="TextBox 11">
-            <a:extLst>
-              <a:ext uri="{FF2B5EF4-FFF2-40B4-BE49-F238E27FC236}">
-                <a16:creationId xmlns:a16="http://schemas.microsoft.com/office/drawing/2014/main" id="{356DE42C-8015-6141-1C61-13E21FC9EA54}"/>
+              <a:t>Each point is averaged over 100 simulations with the same parameters</a:t>
+            </a:r>
+          </a:p>
+        </p:txBody>
+      </p:sp>
+      <p:sp>
+        <p:nvSpPr>
+          <p:cNvPr id="18" name="TextBox 17">
+            <a:extLst>
+              <a:ext uri="{FF2B5EF4-FFF2-40B4-BE49-F238E27FC236}">
+                <a16:creationId xmlns:a16="http://schemas.microsoft.com/office/drawing/2014/main" id="{B197F869-0E27-D43F-F48F-9F06093019A4}"/>
               </a:ext>
             </a:extLst>
           </p:cNvPr>
@@ -4776,8 +4719,8 @@
         </p:nvSpPr>
         <p:spPr>
           <a:xfrm>
-            <a:off x="408709" y="512175"/>
-            <a:ext cx="8782792" cy="646331"/>
+            <a:off x="593766" y="5930075"/>
+            <a:ext cx="3105594" cy="369332"/>
           </a:xfrm>
           <a:prstGeom prst="rect">
             <a:avLst/>
@@ -4785,84 +4728,130 @@
           <a:noFill/>
         </p:spPr>
         <p:txBody>
-          <a:bodyPr wrap="square" rtlCol="0">
+          <a:bodyPr wrap="none" rtlCol="0">
             <a:spAutoFit/>
           </a:bodyPr>
           <a:lstStyle/>
           <a:p>
             <a:r>
               <a:rPr lang="en-US" dirty="0"/>
-              <a:t>Integral over the curve for each type of seq and compare the areas to see which one dominates over the tot evolutionary sim</a:t>
-            </a:r>
-          </a:p>
-        </p:txBody>
-      </p:sp>
-      <p:sp>
-        <p:nvSpPr>
-          <p:cNvPr id="13" name="Title 1">
-            <a:extLst>
-              <a:ext uri="{FF2B5EF4-FFF2-40B4-BE49-F238E27FC236}">
-                <a16:creationId xmlns:a16="http://schemas.microsoft.com/office/drawing/2014/main" id="{0FAF0B56-4FC1-7EF8-FA54-732BC265DA66}"/>
-              </a:ext>
-            </a:extLst>
-          </p:cNvPr>
-          <p:cNvSpPr txBox="1">
-            <a:spLocks/>
-          </p:cNvSpPr>
+              <a:t>N sample for fitness max = 10</a:t>
+            </a:r>
+          </a:p>
+        </p:txBody>
+      </p:sp>
+      <p:sp>
+        <p:nvSpPr>
+          <p:cNvPr id="19" name="TextBox 18">
+            <a:extLst>
+              <a:ext uri="{FF2B5EF4-FFF2-40B4-BE49-F238E27FC236}">
+                <a16:creationId xmlns:a16="http://schemas.microsoft.com/office/drawing/2014/main" id="{73E9DF87-38C2-6F3E-AF38-711B27B9C777}"/>
+              </a:ext>
+            </a:extLst>
+          </p:cNvPr>
+          <p:cNvSpPr txBox="1"/>
           <p:nvPr/>
         </p:nvSpPr>
         <p:spPr>
           <a:xfrm>
-            <a:off x="408709" y="-264108"/>
-            <a:ext cx="10515600" cy="1325563"/>
+            <a:off x="593766" y="5664530"/>
+            <a:ext cx="2126608" cy="369332"/>
           </a:xfrm>
           <a:prstGeom prst="rect">
             <a:avLst/>
           </a:prstGeom>
-        </p:spPr>
-        <p:txBody>
-          <a:bodyPr vert="horz" lIns="91440" tIns="45720" rIns="91440" bIns="45720" rtlCol="0" anchor="ctr">
-            <a:normAutofit/>
+          <a:noFill/>
+        </p:spPr>
+        <p:txBody>
+          <a:bodyPr wrap="none" rtlCol="0">
+            <a:spAutoFit/>
           </a:bodyPr>
-          <a:lstStyle>
-            <a:lvl1pPr algn="l" defTabSz="914400" rtl="0" eaLnBrk="1" latinLnBrk="0" hangingPunct="1">
-              <a:lnSpc>
-                <a:spcPct val="90000"/>
-              </a:lnSpc>
-              <a:spcBef>
-                <a:spcPct val="0"/>
-              </a:spcBef>
-              <a:buNone/>
-              <a:defRPr sz="4400" kern="1200">
-                <a:solidFill>
-                  <a:schemeClr val="tx1"/>
-                </a:solidFill>
-                <a:latin typeface="+mj-lt"/>
-                <a:ea typeface="+mj-ea"/>
-                <a:cs typeface="+mj-cs"/>
-              </a:defRPr>
-            </a:lvl1pPr>
-          </a:lstStyle>
-          <a:p>
-            <a:r>
-              <a:rPr lang="en-US" sz="2400" dirty="0"/>
-              <a:t>Initial conditions: target T0  and seqs at </a:t>
-            </a:r>
-            <a:r>
-              <a:rPr lang="en-US" sz="2400" dirty="0" err="1"/>
-              <a:t>seqscommon</a:t>
-            </a:r>
-            <a:r>
-              <a:rPr lang="en-US" sz="2400" dirty="0"/>
-              <a:t> with max prob in T1</a:t>
-            </a:r>
+          <a:lstStyle/>
+          <a:p>
+            <a:r>
+              <a:rPr lang="en-US" dirty="0"/>
+              <a:t>Simulation params:</a:t>
+            </a:r>
+          </a:p>
+        </p:txBody>
+      </p:sp>
+      <p:sp>
+        <p:nvSpPr>
+          <p:cNvPr id="20" name="TextBox 19">
+            <a:extLst>
+              <a:ext uri="{FF2B5EF4-FFF2-40B4-BE49-F238E27FC236}">
+                <a16:creationId xmlns:a16="http://schemas.microsoft.com/office/drawing/2014/main" id="{3E836165-956B-D30B-0D2A-34C5FA781E41}"/>
+              </a:ext>
+            </a:extLst>
+          </p:cNvPr>
+          <p:cNvSpPr txBox="1"/>
+          <p:nvPr/>
+        </p:nvSpPr>
+        <p:spPr>
+          <a:xfrm>
+            <a:off x="593766" y="6211669"/>
+            <a:ext cx="3199915" cy="646331"/>
+          </a:xfrm>
+          <a:prstGeom prst="rect">
+            <a:avLst/>
+          </a:prstGeom>
+          <a:noFill/>
+        </p:spPr>
+        <p:txBody>
+          <a:bodyPr wrap="none" rtlCol="0">
+            <a:spAutoFit/>
+          </a:bodyPr>
+          <a:lstStyle/>
+          <a:p>
+            <a:r>
+              <a:rPr lang="en-US" dirty="0"/>
+              <a:t>N pop = 100</a:t>
+            </a:r>
+          </a:p>
+          <a:p>
+            <a:r>
+              <a:rPr lang="en-US" dirty="0"/>
+              <a:t>Fitness landscape = hamming</a:t>
+            </a:r>
+          </a:p>
+        </p:txBody>
+      </p:sp>
+      <p:sp>
+        <p:nvSpPr>
+          <p:cNvPr id="21" name="TextBox 20">
+            <a:extLst>
+              <a:ext uri="{FF2B5EF4-FFF2-40B4-BE49-F238E27FC236}">
+                <a16:creationId xmlns:a16="http://schemas.microsoft.com/office/drawing/2014/main" id="{1464984E-D68D-5C79-2A69-724935EAF299}"/>
+              </a:ext>
+            </a:extLst>
+          </p:cNvPr>
+          <p:cNvSpPr txBox="1"/>
+          <p:nvPr/>
+        </p:nvSpPr>
+        <p:spPr>
+          <a:xfrm>
+            <a:off x="510639" y="5510151"/>
+            <a:ext cx="184731" cy="369332"/>
+          </a:xfrm>
+          <a:prstGeom prst="rect">
+            <a:avLst/>
+          </a:prstGeom>
+          <a:noFill/>
+        </p:spPr>
+        <p:txBody>
+          <a:bodyPr wrap="none" rtlCol="0">
+            <a:spAutoFit/>
+          </a:bodyPr>
+          <a:lstStyle/>
+          <a:p>
+            <a:endParaRPr lang="en-US" dirty="0"/>
           </a:p>
         </p:txBody>
       </p:sp>
     </p:spTree>
     <p:extLst>
       <p:ext uri="{BB962C8B-B14F-4D97-AF65-F5344CB8AC3E}">
-        <p14:creationId xmlns:p14="http://schemas.microsoft.com/office/powerpoint/2010/main" val="3071362834"/>
+        <p14:creationId xmlns:p14="http://schemas.microsoft.com/office/powerpoint/2010/main" val="1976713413"/>
       </p:ext>
     </p:extLst>
   </p:cSld>
